--- a/doc/papers/SiliconPad/plots/SiliconDiodeDiagram.pptx
+++ b/doc/papers/SiliconPad/plots/SiliconDiodeDiagram.pptx
@@ -288,7 +288,7 @@
           <a:p>
             <a:fld id="{49D7F1BE-BEE3-B84C-A82E-8BD81DF02A96}" type="datetimeFigureOut">
               <a:rPr lang="en-US" smtClean="0"/>
-              <a:t>12/20/15</a:t>
+              <a:t>12/21/15</a:t>
             </a:fld>
             <a:endParaRPr lang="en-US"/>
           </a:p>
@@ -458,7 +458,7 @@
           <a:p>
             <a:fld id="{49D7F1BE-BEE3-B84C-A82E-8BD81DF02A96}" type="datetimeFigureOut">
               <a:rPr lang="en-US" smtClean="0"/>
-              <a:t>12/20/15</a:t>
+              <a:t>12/21/15</a:t>
             </a:fld>
             <a:endParaRPr lang="en-US"/>
           </a:p>
@@ -638,7 +638,7 @@
           <a:p>
             <a:fld id="{49D7F1BE-BEE3-B84C-A82E-8BD81DF02A96}" type="datetimeFigureOut">
               <a:rPr lang="en-US" smtClean="0"/>
-              <a:t>12/20/15</a:t>
+              <a:t>12/21/15</a:t>
             </a:fld>
             <a:endParaRPr lang="en-US"/>
           </a:p>
@@ -808,7 +808,7 @@
           <a:p>
             <a:fld id="{49D7F1BE-BEE3-B84C-A82E-8BD81DF02A96}" type="datetimeFigureOut">
               <a:rPr lang="en-US" smtClean="0"/>
-              <a:t>12/20/15</a:t>
+              <a:t>12/21/15</a:t>
             </a:fld>
             <a:endParaRPr lang="en-US"/>
           </a:p>
@@ -1054,7 +1054,7 @@
           <a:p>
             <a:fld id="{49D7F1BE-BEE3-B84C-A82E-8BD81DF02A96}" type="datetimeFigureOut">
               <a:rPr lang="en-US" smtClean="0"/>
-              <a:t>12/20/15</a:t>
+              <a:t>12/21/15</a:t>
             </a:fld>
             <a:endParaRPr lang="en-US"/>
           </a:p>
@@ -1342,7 +1342,7 @@
           <a:p>
             <a:fld id="{49D7F1BE-BEE3-B84C-A82E-8BD81DF02A96}" type="datetimeFigureOut">
               <a:rPr lang="en-US" smtClean="0"/>
-              <a:t>12/20/15</a:t>
+              <a:t>12/21/15</a:t>
             </a:fld>
             <a:endParaRPr lang="en-US"/>
           </a:p>
@@ -1769,7 +1769,7 @@
           <a:p>
             <a:fld id="{49D7F1BE-BEE3-B84C-A82E-8BD81DF02A96}" type="datetimeFigureOut">
               <a:rPr lang="en-US" smtClean="0"/>
-              <a:t>12/20/15</a:t>
+              <a:t>12/21/15</a:t>
             </a:fld>
             <a:endParaRPr lang="en-US"/>
           </a:p>
@@ -1887,7 +1887,7 @@
           <a:p>
             <a:fld id="{49D7F1BE-BEE3-B84C-A82E-8BD81DF02A96}" type="datetimeFigureOut">
               <a:rPr lang="en-US" smtClean="0"/>
-              <a:t>12/20/15</a:t>
+              <a:t>12/21/15</a:t>
             </a:fld>
             <a:endParaRPr lang="en-US"/>
           </a:p>
@@ -1982,7 +1982,7 @@
           <a:p>
             <a:fld id="{49D7F1BE-BEE3-B84C-A82E-8BD81DF02A96}" type="datetimeFigureOut">
               <a:rPr lang="en-US" smtClean="0"/>
-              <a:t>12/20/15</a:t>
+              <a:t>12/21/15</a:t>
             </a:fld>
             <a:endParaRPr lang="en-US"/>
           </a:p>
@@ -2259,7 +2259,7 @@
           <a:p>
             <a:fld id="{49D7F1BE-BEE3-B84C-A82E-8BD81DF02A96}" type="datetimeFigureOut">
               <a:rPr lang="en-US" smtClean="0"/>
-              <a:t>12/20/15</a:t>
+              <a:t>12/21/15</a:t>
             </a:fld>
             <a:endParaRPr lang="en-US"/>
           </a:p>
@@ -2512,7 +2512,7 @@
           <a:p>
             <a:fld id="{49D7F1BE-BEE3-B84C-A82E-8BD81DF02A96}" type="datetimeFigureOut">
               <a:rPr lang="en-US" smtClean="0"/>
-              <a:t>12/20/15</a:t>
+              <a:t>12/21/15</a:t>
             </a:fld>
             <a:endParaRPr lang="en-US"/>
           </a:p>
@@ -2725,7 +2725,7 @@
           <a:p>
             <a:fld id="{49D7F1BE-BEE3-B84C-A82E-8BD81DF02A96}" type="datetimeFigureOut">
               <a:rPr lang="en-US" smtClean="0"/>
-              <a:t>12/20/15</a:t>
+              <a:t>12/21/15</a:t>
             </a:fld>
             <a:endParaRPr lang="en-US"/>
           </a:p>
@@ -3376,8 +3376,8 @@
         </p:nvSpPr>
         <p:spPr>
           <a:xfrm>
-            <a:off x="1063617" y="498081"/>
-            <a:ext cx="718009" cy="461665"/>
+            <a:off x="97079" y="800714"/>
+            <a:ext cx="1446702" cy="461665"/>
           </a:xfrm>
           <a:prstGeom prst="rect">
             <a:avLst/>
@@ -3392,7 +3392,11 @@
           <a:p>
             <a:r>
               <a:rPr lang="en-US" sz="2400" dirty="0" smtClean="0"/>
-              <a:t>- BV</a:t>
+              <a:t>- </a:t>
+            </a:r>
+            <a:r>
+              <a:rPr lang="en-US" sz="2400" dirty="0" smtClean="0"/>
+              <a:t>BV</a:t>
             </a:r>
             <a:endParaRPr lang="en-US" sz="2400" dirty="0"/>
           </a:p>
@@ -3406,8 +3410,8 @@
         </p:nvSpPr>
         <p:spPr>
           <a:xfrm>
-            <a:off x="1042269" y="1127998"/>
-            <a:ext cx="718009" cy="461665"/>
+            <a:off x="956733" y="491692"/>
+            <a:ext cx="786634" cy="461665"/>
           </a:xfrm>
           <a:prstGeom prst="rect">
             <a:avLst/>
@@ -3422,7 +3426,11 @@
           <a:p>
             <a:r>
               <a:rPr lang="en-US" sz="2400" dirty="0" smtClean="0"/>
-              <a:t>50</a:t>
+              <a:t>10</a:t>
+            </a:r>
+            <a:r>
+              <a:rPr lang="en-US" sz="2400" dirty="0" smtClean="0"/>
+              <a:t>0k</a:t>
             </a:r>
             <a:endParaRPr lang="en-US" sz="2400" dirty="0"/>
           </a:p>
@@ -3507,7 +3515,7 @@
         <p:spPr>
           <a:xfrm>
             <a:off x="1757941" y="1663408"/>
-            <a:ext cx="0" cy="314188"/>
+            <a:ext cx="0" cy="390816"/>
           </a:xfrm>
           <a:prstGeom prst="line">
             <a:avLst/>
@@ -3516,177 +3524,6 @@
             <a:solidFill>
               <a:schemeClr val="tx1"/>
             </a:solidFill>
-          </a:ln>
-        </p:spPr>
-        <p:style>
-          <a:lnRef idx="2">
-            <a:schemeClr val="accent1"/>
-          </a:lnRef>
-          <a:fillRef idx="0">
-            <a:schemeClr val="accent1"/>
-          </a:fillRef>
-          <a:effectRef idx="1">
-            <a:schemeClr val="accent1"/>
-          </a:effectRef>
-          <a:fontRef idx="minor">
-            <a:schemeClr val="tx1"/>
-          </a:fontRef>
-        </p:style>
-      </p:cxnSp>
-      <p:cxnSp>
-        <p:nvCxnSpPr>
-          <p:cNvPr id="16" name="Straight Connector 15"/>
-          <p:cNvCxnSpPr/>
-          <p:nvPr/>
-        </p:nvCxnSpPr>
-        <p:spPr>
-          <a:xfrm flipH="1">
-            <a:off x="1600234" y="1986560"/>
-            <a:ext cx="331451" cy="0"/>
-          </a:xfrm>
-          <a:prstGeom prst="line">
-            <a:avLst/>
-          </a:prstGeom>
-          <a:ln>
-            <a:solidFill>
-              <a:schemeClr val="tx1"/>
-            </a:solidFill>
-          </a:ln>
-        </p:spPr>
-        <p:style>
-          <a:lnRef idx="2">
-            <a:schemeClr val="accent1"/>
-          </a:lnRef>
-          <a:fillRef idx="0">
-            <a:schemeClr val="accent1"/>
-          </a:fillRef>
-          <a:effectRef idx="1">
-            <a:schemeClr val="accent1"/>
-          </a:effectRef>
-          <a:fontRef idx="minor">
-            <a:schemeClr val="tx1"/>
-          </a:fontRef>
-        </p:style>
-      </p:cxnSp>
-      <p:cxnSp>
-        <p:nvCxnSpPr>
-          <p:cNvPr id="17" name="Straight Connector 16"/>
-          <p:cNvCxnSpPr/>
-          <p:nvPr/>
-        </p:nvCxnSpPr>
-        <p:spPr>
-          <a:xfrm flipH="1">
-            <a:off x="1642890" y="2042912"/>
-            <a:ext cx="238428" cy="0"/>
-          </a:xfrm>
-          <a:prstGeom prst="line">
-            <a:avLst/>
-          </a:prstGeom>
-          <a:ln>
-            <a:solidFill>
-              <a:schemeClr val="tx1"/>
-            </a:solidFill>
-          </a:ln>
-        </p:spPr>
-        <p:style>
-          <a:lnRef idx="2">
-            <a:schemeClr val="accent1"/>
-          </a:lnRef>
-          <a:fillRef idx="0">
-            <a:schemeClr val="accent1"/>
-          </a:fillRef>
-          <a:effectRef idx="1">
-            <a:schemeClr val="accent1"/>
-          </a:effectRef>
-          <a:fontRef idx="minor">
-            <a:schemeClr val="tx1"/>
-          </a:fontRef>
-        </p:style>
-      </p:cxnSp>
-      <p:cxnSp>
-        <p:nvCxnSpPr>
-          <p:cNvPr id="18" name="Straight Connector 17"/>
-          <p:cNvCxnSpPr/>
-          <p:nvPr/>
-        </p:nvCxnSpPr>
-        <p:spPr>
-          <a:xfrm flipH="1">
-            <a:off x="1689222" y="2109936"/>
-            <a:ext cx="152400" cy="0"/>
-          </a:xfrm>
-          <a:prstGeom prst="line">
-            <a:avLst/>
-          </a:prstGeom>
-          <a:ln>
-            <a:solidFill>
-              <a:schemeClr val="tx1"/>
-            </a:solidFill>
-          </a:ln>
-        </p:spPr>
-        <p:style>
-          <a:lnRef idx="2">
-            <a:schemeClr val="accent1"/>
-          </a:lnRef>
-          <a:fillRef idx="0">
-            <a:schemeClr val="accent1"/>
-          </a:fillRef>
-          <a:effectRef idx="1">
-            <a:schemeClr val="accent1"/>
-          </a:effectRef>
-          <a:fontRef idx="minor">
-            <a:schemeClr val="tx1"/>
-          </a:fontRef>
-        </p:style>
-      </p:cxnSp>
-      <p:sp>
-        <p:nvSpPr>
-          <p:cNvPr id="19" name="TextBox 18"/>
-          <p:cNvSpPr txBox="1"/>
-          <p:nvPr/>
-        </p:nvSpPr>
-        <p:spPr>
-          <a:xfrm>
-            <a:off x="1998932" y="1986560"/>
-            <a:ext cx="615142" cy="400110"/>
-          </a:xfrm>
-          <a:prstGeom prst="rect">
-            <a:avLst/>
-          </a:prstGeom>
-          <a:noFill/>
-        </p:spPr>
-        <p:txBody>
-          <a:bodyPr wrap="square" rtlCol="0">
-            <a:spAutoFit/>
-          </a:bodyPr>
-          <a:lstStyle/>
-          <a:p>
-            <a:r>
-              <a:rPr lang="en-US" sz="2000" dirty="0" smtClean="0"/>
-              <a:t>1nF</a:t>
-            </a:r>
-            <a:endParaRPr lang="en-US" sz="2000" dirty="0"/>
-          </a:p>
-        </p:txBody>
-      </p:sp>
-      <p:cxnSp>
-        <p:nvCxnSpPr>
-          <p:cNvPr id="20" name="Straight Arrow Connector 19"/>
-          <p:cNvCxnSpPr/>
-          <p:nvPr/>
-        </p:nvCxnSpPr>
-        <p:spPr>
-          <a:xfrm flipH="1" flipV="1">
-            <a:off x="1931685" y="1719760"/>
-            <a:ext cx="284559" cy="371824"/>
-          </a:xfrm>
-          <a:prstGeom prst="straightConnector1">
-            <a:avLst/>
-          </a:prstGeom>
-          <a:ln>
-            <a:solidFill>
-              <a:schemeClr val="tx1"/>
-            </a:solidFill>
-            <a:tailEnd type="arrow"/>
           </a:ln>
         </p:spPr>
         <p:style>
@@ -3756,7 +3593,7 @@
         </p:nvSpPr>
         <p:spPr>
           <a:xfrm>
-            <a:off x="2723754" y="1012411"/>
+            <a:off x="3207853" y="1012411"/>
             <a:ext cx="117397" cy="117397"/>
           </a:xfrm>
           <a:prstGeom prst="ellipse">
@@ -3792,13 +3629,15 @@
       <p:cxnSp>
         <p:nvCxnSpPr>
           <p:cNvPr id="23" name="Straight Connector 22"/>
-          <p:cNvCxnSpPr/>
+          <p:cNvCxnSpPr>
+            <a:endCxn id="22" idx="2"/>
+          </p:cNvCxnSpPr>
           <p:nvPr/>
         </p:nvCxnSpPr>
         <p:spPr>
-          <a:xfrm>
-            <a:off x="2510317" y="1076424"/>
-            <a:ext cx="202776" cy="0"/>
+          <a:xfrm flipV="1">
+            <a:off x="2510317" y="1071110"/>
+            <a:ext cx="697536" cy="5314"/>
           </a:xfrm>
           <a:prstGeom prst="line">
             <a:avLst/>
@@ -3832,8 +3671,8 @@
         </p:nvCxnSpPr>
         <p:spPr>
           <a:xfrm>
-            <a:off x="2790781" y="1079416"/>
-            <a:ext cx="247242" cy="0"/>
+            <a:off x="3274880" y="1079416"/>
+            <a:ext cx="492361" cy="0"/>
           </a:xfrm>
           <a:prstGeom prst="line">
             <a:avLst/>
@@ -3867,7 +3706,7 @@
         </p:nvCxnSpPr>
         <p:spPr>
           <a:xfrm>
-            <a:off x="2782453" y="1097792"/>
+            <a:off x="3266552" y="1097792"/>
             <a:ext cx="0" cy="473519"/>
           </a:xfrm>
           <a:prstGeom prst="line">
@@ -3902,7 +3741,7 @@
         </p:nvCxnSpPr>
         <p:spPr>
           <a:xfrm flipH="1">
-            <a:off x="2614074" y="1570352"/>
+            <a:off x="3098173" y="1570352"/>
             <a:ext cx="331451" cy="0"/>
           </a:xfrm>
           <a:prstGeom prst="line">
@@ -3937,7 +3776,7 @@
         </p:nvCxnSpPr>
         <p:spPr>
           <a:xfrm flipH="1">
-            <a:off x="2617066" y="1648048"/>
+            <a:off x="3101165" y="1648048"/>
             <a:ext cx="331451" cy="0"/>
           </a:xfrm>
           <a:prstGeom prst="line">
@@ -3972,8 +3811,8 @@
         </p:nvCxnSpPr>
         <p:spPr>
           <a:xfrm>
-            <a:off x="2785445" y="1645056"/>
-            <a:ext cx="0" cy="314188"/>
+            <a:off x="3269544" y="1645056"/>
+            <a:ext cx="0" cy="409289"/>
           </a:xfrm>
           <a:prstGeom prst="line">
             <a:avLst/>
@@ -3999,121 +3838,16 @@
           </a:fontRef>
         </p:style>
       </p:cxnSp>
-      <p:cxnSp>
-        <p:nvCxnSpPr>
-          <p:cNvPr id="29" name="Straight Connector 28"/>
-          <p:cNvCxnSpPr/>
-          <p:nvPr/>
-        </p:nvCxnSpPr>
-        <p:spPr>
-          <a:xfrm flipH="1">
-            <a:off x="2627738" y="1968208"/>
-            <a:ext cx="331451" cy="0"/>
-          </a:xfrm>
-          <a:prstGeom prst="line">
-            <a:avLst/>
-          </a:prstGeom>
-          <a:ln>
-            <a:solidFill>
-              <a:schemeClr val="tx1"/>
-            </a:solidFill>
-          </a:ln>
-        </p:spPr>
-        <p:style>
-          <a:lnRef idx="2">
-            <a:schemeClr val="accent1"/>
-          </a:lnRef>
-          <a:fillRef idx="0">
-            <a:schemeClr val="accent1"/>
-          </a:fillRef>
-          <a:effectRef idx="1">
-            <a:schemeClr val="accent1"/>
-          </a:effectRef>
-          <a:fontRef idx="minor">
-            <a:schemeClr val="tx1"/>
-          </a:fontRef>
-        </p:style>
-      </p:cxnSp>
-      <p:cxnSp>
-        <p:nvCxnSpPr>
-          <p:cNvPr id="30" name="Straight Connector 29"/>
-          <p:cNvCxnSpPr/>
-          <p:nvPr/>
-        </p:nvCxnSpPr>
-        <p:spPr>
-          <a:xfrm flipH="1">
-            <a:off x="2670394" y="2024560"/>
-            <a:ext cx="238428" cy="0"/>
-          </a:xfrm>
-          <a:prstGeom prst="line">
-            <a:avLst/>
-          </a:prstGeom>
-          <a:ln>
-            <a:solidFill>
-              <a:schemeClr val="tx1"/>
-            </a:solidFill>
-          </a:ln>
-        </p:spPr>
-        <p:style>
-          <a:lnRef idx="2">
-            <a:schemeClr val="accent1"/>
-          </a:lnRef>
-          <a:fillRef idx="0">
-            <a:schemeClr val="accent1"/>
-          </a:fillRef>
-          <a:effectRef idx="1">
-            <a:schemeClr val="accent1"/>
-          </a:effectRef>
-          <a:fontRef idx="minor">
-            <a:schemeClr val="tx1"/>
-          </a:fontRef>
-        </p:style>
-      </p:cxnSp>
-      <p:cxnSp>
-        <p:nvCxnSpPr>
-          <p:cNvPr id="31" name="Straight Connector 30"/>
-          <p:cNvCxnSpPr/>
-          <p:nvPr/>
-        </p:nvCxnSpPr>
-        <p:spPr>
-          <a:xfrm flipH="1">
-            <a:off x="2716726" y="2091584"/>
-            <a:ext cx="152400" cy="0"/>
-          </a:xfrm>
-          <a:prstGeom prst="line">
-            <a:avLst/>
-          </a:prstGeom>
-          <a:ln>
-            <a:solidFill>
-              <a:schemeClr val="tx1"/>
-            </a:solidFill>
-          </a:ln>
-        </p:spPr>
-        <p:style>
-          <a:lnRef idx="2">
-            <a:schemeClr val="accent1"/>
-          </a:lnRef>
-          <a:fillRef idx="0">
-            <a:schemeClr val="accent1"/>
-          </a:fillRef>
-          <a:effectRef idx="1">
-            <a:schemeClr val="accent1"/>
-          </a:effectRef>
-          <a:fontRef idx="minor">
-            <a:schemeClr val="tx1"/>
-          </a:fontRef>
-        </p:style>
-      </p:cxnSp>
-      <p:sp>
-        <p:nvSpPr>
-          <p:cNvPr id="32" name="TextBox 31"/>
+      <p:sp>
+        <p:nvSpPr>
+          <p:cNvPr id="34" name="TextBox 33"/>
           <p:cNvSpPr txBox="1"/>
           <p:nvPr/>
         </p:nvSpPr>
         <p:spPr>
           <a:xfrm>
-            <a:off x="2944445" y="1394574"/>
-            <a:ext cx="615142" cy="400110"/>
+            <a:off x="1976906" y="1384416"/>
+            <a:ext cx="1312678" cy="400110"/>
           </a:xfrm>
           <a:prstGeom prst="rect">
             <a:avLst/>
@@ -4127,36 +3861,6 @@
           <a:lstStyle/>
           <a:p>
             <a:r>
-              <a:rPr lang="en-US" sz="2000" dirty="0" smtClean="0"/>
-              <a:t>1nF</a:t>
-            </a:r>
-            <a:endParaRPr lang="en-US" sz="2000" dirty="0"/>
-          </a:p>
-        </p:txBody>
-      </p:sp>
-      <p:sp>
-        <p:nvSpPr>
-          <p:cNvPr id="33" name="TextBox 32"/>
-          <p:cNvSpPr txBox="1"/>
-          <p:nvPr/>
-        </p:nvSpPr>
-        <p:spPr>
-          <a:xfrm>
-            <a:off x="1033514" y="1636111"/>
-            <a:ext cx="615142" cy="400110"/>
-          </a:xfrm>
-          <a:prstGeom prst="rect">
-            <a:avLst/>
-          </a:prstGeom>
-          <a:noFill/>
-        </p:spPr>
-        <p:txBody>
-          <a:bodyPr wrap="square" rtlCol="0">
-            <a:spAutoFit/>
-          </a:bodyPr>
-          <a:lstStyle/>
-          <a:p>
-            <a:r>
               <a:rPr lang="en-US" sz="2000" dirty="0" err="1" smtClean="0"/>
               <a:t>C</a:t>
             </a:r>
@@ -4164,79 +3868,18 @@
               <a:rPr lang="en-US" sz="2000" baseline="-25000" dirty="0" err="1" smtClean="0"/>
               <a:t>bp</a:t>
             </a:r>
-            <a:endParaRPr lang="en-US" sz="2000" baseline="-25000" dirty="0"/>
-          </a:p>
-        </p:txBody>
-      </p:sp>
-      <p:sp>
-        <p:nvSpPr>
-          <p:cNvPr id="34" name="TextBox 33"/>
-          <p:cNvSpPr txBox="1"/>
-          <p:nvPr/>
-        </p:nvSpPr>
-        <p:spPr>
-          <a:xfrm>
-            <a:off x="2082362" y="1308271"/>
-            <a:ext cx="615142" cy="400110"/>
-          </a:xfrm>
-          <a:prstGeom prst="rect">
-            <a:avLst/>
-          </a:prstGeom>
-          <a:noFill/>
-        </p:spPr>
-        <p:txBody>
-          <a:bodyPr wrap="square" rtlCol="0">
-            <a:spAutoFit/>
-          </a:bodyPr>
-          <a:lstStyle/>
-          <a:p>
-            <a:r>
-              <a:rPr lang="en-US" sz="2000" dirty="0" err="1" smtClean="0"/>
-              <a:t>C</a:t>
-            </a:r>
-            <a:r>
-              <a:rPr lang="en-US" sz="2000" baseline="-25000" dirty="0" err="1" smtClean="0"/>
-              <a:t>bp</a:t>
-            </a:r>
-            <a:endParaRPr lang="en-US" sz="2000" baseline="-25000" dirty="0"/>
-          </a:p>
-        </p:txBody>
-      </p:sp>
-      <p:cxnSp>
-        <p:nvCxnSpPr>
-          <p:cNvPr id="35" name="Straight Connector 34"/>
-          <p:cNvCxnSpPr/>
-          <p:nvPr/>
-        </p:nvCxnSpPr>
-        <p:spPr>
-          <a:xfrm flipH="1" flipV="1">
-            <a:off x="3038023" y="899669"/>
-            <a:ext cx="1" cy="326181"/>
-          </a:xfrm>
-          <a:prstGeom prst="line">
-            <a:avLst/>
-          </a:prstGeom>
-          <a:ln>
-            <a:solidFill>
-              <a:schemeClr val="tx1"/>
-            </a:solidFill>
-          </a:ln>
-        </p:spPr>
-        <p:style>
-          <a:lnRef idx="2">
-            <a:schemeClr val="accent1"/>
-          </a:lnRef>
-          <a:fillRef idx="0">
-            <a:schemeClr val="accent1"/>
-          </a:fillRef>
-          <a:effectRef idx="1">
-            <a:schemeClr val="accent1"/>
-          </a:effectRef>
-          <a:fontRef idx="minor">
-            <a:schemeClr val="tx1"/>
-          </a:fontRef>
-        </p:style>
-      </p:cxnSp>
+            <a:r>
+              <a:rPr lang="en-US" sz="2000" baseline="-25000" dirty="0" smtClean="0"/>
+              <a:t> </a:t>
+            </a:r>
+            <a:r>
+              <a:rPr lang="en-US" sz="2000" dirty="0" smtClean="0"/>
+              <a:t>= 1nF</a:t>
+            </a:r>
+            <a:endParaRPr lang="en-US" sz="2000" dirty="0"/>
+          </a:p>
+        </p:txBody>
+      </p:sp>
       <p:cxnSp>
         <p:nvCxnSpPr>
           <p:cNvPr id="36" name="Straight Connector 35"/>
@@ -4244,9 +3887,9 @@
           <p:nvPr/>
         </p:nvCxnSpPr>
         <p:spPr>
-          <a:xfrm flipH="1" flipV="1">
-            <a:off x="3105047" y="902661"/>
-            <a:ext cx="1" cy="326181"/>
+          <a:xfrm flipV="1">
+            <a:off x="3953792" y="956059"/>
+            <a:ext cx="0" cy="229933"/>
           </a:xfrm>
           <a:prstGeom prst="line">
             <a:avLst/>
@@ -4280,8 +3923,8 @@
         </p:nvSpPr>
         <p:spPr>
           <a:xfrm>
-            <a:off x="2862494" y="436762"/>
-            <a:ext cx="1338823" cy="400110"/>
+            <a:off x="3234844" y="498309"/>
+            <a:ext cx="1547537" cy="400110"/>
           </a:xfrm>
           <a:prstGeom prst="rect">
             <a:avLst/>
@@ -4295,16 +3938,24 @@
           <a:lstStyle/>
           <a:p>
             <a:r>
-              <a:rPr lang="en-US" sz="2000" dirty="0" smtClean="0"/>
+              <a:rPr lang="en-US" sz="2000" dirty="0" err="1" smtClean="0"/>
               <a:t>C</a:t>
             </a:r>
             <a:r>
+              <a:rPr lang="en-US" altLang="zh-CN" sz="2000" baseline="-25000" dirty="0" err="1" smtClean="0"/>
+              <a:t>diode</a:t>
+            </a:r>
+            <a:r>
               <a:rPr lang="en-US" altLang="zh-CN" sz="2000" baseline="-25000" dirty="0" smtClean="0"/>
-              <a:t>d</a:t>
+              <a:t> </a:t>
             </a:r>
             <a:r>
               <a:rPr lang="en-US" altLang="zh-CN" sz="2000" dirty="0" smtClean="0"/>
-              <a:t> 17pF</a:t>
+              <a:t>= </a:t>
+            </a:r>
+            <a:r>
+              <a:rPr lang="en-US" altLang="zh-CN" sz="2000" dirty="0" smtClean="0"/>
+              <a:t>17pF</a:t>
             </a:r>
             <a:endParaRPr lang="en-US" sz="2000" baseline="-25000" dirty="0"/>
           </a:p>
@@ -4318,7 +3969,7 @@
         </p:nvSpPr>
         <p:spPr>
           <a:xfrm>
-            <a:off x="3601850" y="1015403"/>
+            <a:off x="4305994" y="1015403"/>
             <a:ext cx="117397" cy="117397"/>
           </a:xfrm>
           <a:prstGeom prst="ellipse">
@@ -4360,9 +4011,9 @@
           <p:nvPr/>
         </p:nvCxnSpPr>
         <p:spPr>
-          <a:xfrm flipV="1">
-            <a:off x="3110941" y="1074102"/>
-            <a:ext cx="490909" cy="5314"/>
+          <a:xfrm>
+            <a:off x="3963782" y="1074102"/>
+            <a:ext cx="342212" cy="0"/>
           </a:xfrm>
           <a:prstGeom prst="line">
             <a:avLst/>
@@ -4391,15 +4042,13 @@
       <p:cxnSp>
         <p:nvCxnSpPr>
           <p:cNvPr id="40" name="Straight Connector 39"/>
-          <p:cNvCxnSpPr>
-            <a:endCxn id="50" idx="2"/>
-          </p:cNvCxnSpPr>
+          <p:cNvCxnSpPr/>
           <p:nvPr/>
         </p:nvCxnSpPr>
         <p:spPr>
-          <a:xfrm flipV="1">
-            <a:off x="3668877" y="1074050"/>
-            <a:ext cx="415047" cy="8358"/>
+          <a:xfrm>
+            <a:off x="4373021" y="1082408"/>
+            <a:ext cx="512094" cy="0"/>
           </a:xfrm>
           <a:prstGeom prst="line">
             <a:avLst/>
@@ -4433,7 +4082,7 @@
         </p:nvCxnSpPr>
         <p:spPr>
           <a:xfrm>
-            <a:off x="3661761" y="1091784"/>
+            <a:off x="4365905" y="1091784"/>
             <a:ext cx="0" cy="302790"/>
           </a:xfrm>
           <a:prstGeom prst="line">
@@ -4468,7 +4117,7 @@
         </p:nvSpPr>
         <p:spPr>
           <a:xfrm>
-            <a:off x="3572829" y="1396600"/>
+            <a:off x="4276973" y="1396600"/>
             <a:ext cx="195660" cy="484944"/>
           </a:xfrm>
           <a:prstGeom prst="rect">
@@ -4507,13 +4156,15 @@
       <p:cxnSp>
         <p:nvCxnSpPr>
           <p:cNvPr id="43" name="Straight Connector 42"/>
-          <p:cNvCxnSpPr/>
+          <p:cNvCxnSpPr>
+            <a:endCxn id="44" idx="4"/>
+          </p:cNvCxnSpPr>
           <p:nvPr/>
         </p:nvCxnSpPr>
         <p:spPr>
-          <a:xfrm>
-            <a:off x="3675425" y="1895176"/>
-            <a:ext cx="0" cy="302790"/>
+          <a:xfrm flipH="1">
+            <a:off x="4378357" y="1895176"/>
+            <a:ext cx="1212" cy="222440"/>
           </a:xfrm>
           <a:prstGeom prst="line">
             <a:avLst/>
@@ -4547,7 +4198,7 @@
         </p:nvSpPr>
         <p:spPr>
           <a:xfrm>
-            <a:off x="3615514" y="2000219"/>
+            <a:off x="4319658" y="2000219"/>
             <a:ext cx="117397" cy="117397"/>
           </a:xfrm>
           <a:prstGeom prst="ellipse">
@@ -4588,8 +4239,8 @@
         </p:nvSpPr>
         <p:spPr>
           <a:xfrm>
-            <a:off x="3811177" y="1436056"/>
-            <a:ext cx="486194" cy="400110"/>
+            <a:off x="4452450" y="1417198"/>
+            <a:ext cx="661725" cy="400110"/>
           </a:xfrm>
           <a:prstGeom prst="rect">
             <a:avLst/>
@@ -4604,117 +4255,12 @@
           <a:p>
             <a:r>
               <a:rPr lang="en-US" sz="2000" dirty="0" smtClean="0"/>
-              <a:t>1k</a:t>
+              <a:t>10k</a:t>
             </a:r>
             <a:endParaRPr lang="en-US" sz="2000" dirty="0"/>
           </a:p>
         </p:txBody>
       </p:sp>
-      <p:cxnSp>
-        <p:nvCxnSpPr>
-          <p:cNvPr id="46" name="Straight Connector 45"/>
-          <p:cNvCxnSpPr/>
-          <p:nvPr/>
-        </p:nvCxnSpPr>
-        <p:spPr>
-          <a:xfrm flipH="1">
-            <a:off x="3505834" y="2205984"/>
-            <a:ext cx="331451" cy="0"/>
-          </a:xfrm>
-          <a:prstGeom prst="line">
-            <a:avLst/>
-          </a:prstGeom>
-          <a:ln>
-            <a:solidFill>
-              <a:schemeClr val="tx1"/>
-            </a:solidFill>
-          </a:ln>
-        </p:spPr>
-        <p:style>
-          <a:lnRef idx="2">
-            <a:schemeClr val="accent1"/>
-          </a:lnRef>
-          <a:fillRef idx="0">
-            <a:schemeClr val="accent1"/>
-          </a:fillRef>
-          <a:effectRef idx="1">
-            <a:schemeClr val="accent1"/>
-          </a:effectRef>
-          <a:fontRef idx="minor">
-            <a:schemeClr val="tx1"/>
-          </a:fontRef>
-        </p:style>
-      </p:cxnSp>
-      <p:cxnSp>
-        <p:nvCxnSpPr>
-          <p:cNvPr id="47" name="Straight Connector 46"/>
-          <p:cNvCxnSpPr/>
-          <p:nvPr/>
-        </p:nvCxnSpPr>
-        <p:spPr>
-          <a:xfrm flipH="1">
-            <a:off x="3548490" y="2262336"/>
-            <a:ext cx="238428" cy="0"/>
-          </a:xfrm>
-          <a:prstGeom prst="line">
-            <a:avLst/>
-          </a:prstGeom>
-          <a:ln>
-            <a:solidFill>
-              <a:schemeClr val="tx1"/>
-            </a:solidFill>
-          </a:ln>
-        </p:spPr>
-        <p:style>
-          <a:lnRef idx="2">
-            <a:schemeClr val="accent1"/>
-          </a:lnRef>
-          <a:fillRef idx="0">
-            <a:schemeClr val="accent1"/>
-          </a:fillRef>
-          <a:effectRef idx="1">
-            <a:schemeClr val="accent1"/>
-          </a:effectRef>
-          <a:fontRef idx="minor">
-            <a:schemeClr val="tx1"/>
-          </a:fontRef>
-        </p:style>
-      </p:cxnSp>
-      <p:cxnSp>
-        <p:nvCxnSpPr>
-          <p:cNvPr id="48" name="Straight Connector 47"/>
-          <p:cNvCxnSpPr/>
-          <p:nvPr/>
-        </p:nvCxnSpPr>
-        <p:spPr>
-          <a:xfrm flipH="1">
-            <a:off x="3594822" y="2329360"/>
-            <a:ext cx="152400" cy="0"/>
-          </a:xfrm>
-          <a:prstGeom prst="line">
-            <a:avLst/>
-          </a:prstGeom>
-          <a:ln>
-            <a:solidFill>
-              <a:schemeClr val="tx1"/>
-            </a:solidFill>
-          </a:ln>
-        </p:spPr>
-        <p:style>
-          <a:lnRef idx="2">
-            <a:schemeClr val="accent1"/>
-          </a:lnRef>
-          <a:fillRef idx="0">
-            <a:schemeClr val="accent1"/>
-          </a:fillRef>
-          <a:effectRef idx="1">
-            <a:schemeClr val="accent1"/>
-          </a:effectRef>
-          <a:fontRef idx="minor">
-            <a:schemeClr val="tx1"/>
-          </a:fontRef>
-        </p:style>
-      </p:cxnSp>
       <p:cxnSp>
         <p:nvCxnSpPr>
           <p:cNvPr id="49" name="Straight Connector 48"/>
@@ -4723,7 +4269,7 @@
         </p:nvCxnSpPr>
         <p:spPr>
           <a:xfrm>
-            <a:off x="3702674" y="2054224"/>
+            <a:off x="4406818" y="2054224"/>
             <a:ext cx="573353" cy="0"/>
           </a:xfrm>
           <a:prstGeom prst="line">
@@ -4758,7 +4304,7 @@
         </p:nvSpPr>
         <p:spPr>
           <a:xfrm>
-            <a:off x="4083924" y="879561"/>
+            <a:off x="4788068" y="879561"/>
             <a:ext cx="388978" cy="388978"/>
           </a:xfrm>
           <a:prstGeom prst="ellipse">
@@ -4802,7 +4348,7 @@
         </p:nvCxnSpPr>
         <p:spPr>
           <a:xfrm flipH="1">
-            <a:off x="4180971" y="956059"/>
+            <a:off x="4885115" y="956059"/>
             <a:ext cx="148456" cy="123627"/>
           </a:xfrm>
           <a:prstGeom prst="line">
@@ -4837,7 +4383,7 @@
         </p:nvCxnSpPr>
         <p:spPr>
           <a:xfrm flipH="1" flipV="1">
-            <a:off x="4180971" y="1079688"/>
+            <a:off x="4885115" y="1079688"/>
             <a:ext cx="148456" cy="103474"/>
           </a:xfrm>
           <a:prstGeom prst="line">
@@ -4872,7 +4418,7 @@
         </p:nvCxnSpPr>
         <p:spPr>
           <a:xfrm>
-            <a:off x="4276027" y="1276255"/>
+            <a:off x="4980171" y="1276255"/>
             <a:ext cx="0" cy="777969"/>
           </a:xfrm>
           <a:prstGeom prst="line">
@@ -4899,16 +4445,54 @@
           </a:fontRef>
         </p:style>
       </p:cxnSp>
+      <p:sp>
+        <p:nvSpPr>
+          <p:cNvPr id="55" name="TextBox 54"/>
+          <p:cNvSpPr txBox="1"/>
+          <p:nvPr/>
+        </p:nvSpPr>
+        <p:spPr>
+          <a:xfrm>
+            <a:off x="5208173" y="743849"/>
+            <a:ext cx="1151462" cy="707886"/>
+          </a:xfrm>
+          <a:prstGeom prst="rect">
+            <a:avLst/>
+          </a:prstGeom>
+          <a:noFill/>
+        </p:spPr>
+        <p:txBody>
+          <a:bodyPr wrap="square" rtlCol="0">
+            <a:spAutoFit/>
+          </a:bodyPr>
+          <a:lstStyle/>
+          <a:p>
+            <a:r>
+              <a:rPr lang="en-US" sz="2000" dirty="0" smtClean="0"/>
+              <a:t>Negative</a:t>
+            </a:r>
+          </a:p>
+          <a:p>
+            <a:r>
+              <a:rPr lang="en-US" sz="2000" dirty="0" smtClean="0"/>
+              <a:t>Output</a:t>
+            </a:r>
+            <a:endParaRPr lang="en-US" sz="2000" dirty="0"/>
+          </a:p>
+        </p:txBody>
+      </p:sp>
       <p:cxnSp>
         <p:nvCxnSpPr>
-          <p:cNvPr id="54" name="Straight Connector 53"/>
-          <p:cNvCxnSpPr/>
+          <p:cNvPr id="56" name="Straight Connector 55"/>
+          <p:cNvCxnSpPr>
+            <a:endCxn id="44" idx="2"/>
+          </p:cNvCxnSpPr>
           <p:nvPr/>
         </p:nvCxnSpPr>
         <p:spPr>
           <a:xfrm>
-            <a:off x="4286699" y="1636111"/>
-            <a:ext cx="619002" cy="0"/>
+            <a:off x="1747539" y="2054345"/>
+            <a:ext cx="2572119" cy="4573"/>
           </a:xfrm>
           <a:prstGeom prst="line">
             <a:avLst/>
@@ -4936,14 +4520,177 @@
       </p:cxnSp>
       <p:sp>
         <p:nvSpPr>
-          <p:cNvPr id="55" name="TextBox 54"/>
+          <p:cNvPr id="59" name="Oval 58"/>
+          <p:cNvSpPr/>
+          <p:nvPr/>
+        </p:nvSpPr>
+        <p:spPr>
+          <a:xfrm>
+            <a:off x="3207853" y="1995525"/>
+            <a:ext cx="117397" cy="117397"/>
+          </a:xfrm>
+          <a:prstGeom prst="ellipse">
+            <a:avLst/>
+          </a:prstGeom>
+          <a:solidFill>
+            <a:schemeClr val="tx1"/>
+          </a:solidFill>
+        </p:spPr>
+        <p:style>
+          <a:lnRef idx="1">
+            <a:schemeClr val="accent1"/>
+          </a:lnRef>
+          <a:fillRef idx="3">
+            <a:schemeClr val="accent1"/>
+          </a:fillRef>
+          <a:effectRef idx="2">
+            <a:schemeClr val="accent1"/>
+          </a:effectRef>
+          <a:fontRef idx="minor">
+            <a:schemeClr val="lt1"/>
+          </a:fontRef>
+        </p:style>
+        <p:txBody>
+          <a:bodyPr rtlCol="0" anchor="ctr"/>
+          <a:lstStyle/>
+          <a:p>
+            <a:pPr algn="ctr"/>
+            <a:endParaRPr lang="en-US"/>
+          </a:p>
+        </p:txBody>
+      </p:sp>
+      <p:sp>
+        <p:nvSpPr>
+          <p:cNvPr id="61" name="Rectangle 60"/>
+          <p:cNvSpPr/>
+          <p:nvPr/>
+        </p:nvSpPr>
+        <p:spPr>
+          <a:xfrm>
+            <a:off x="1074293" y="1959248"/>
+            <a:ext cx="405553" cy="192104"/>
+          </a:xfrm>
+          <a:prstGeom prst="rect">
+            <a:avLst/>
+          </a:prstGeom>
+          <a:noFill/>
+          <a:ln w="25400">
+            <a:solidFill>
+              <a:schemeClr val="tx1"/>
+            </a:solidFill>
+          </a:ln>
+        </p:spPr>
+        <p:style>
+          <a:lnRef idx="1">
+            <a:schemeClr val="accent1"/>
+          </a:lnRef>
+          <a:fillRef idx="3">
+            <a:schemeClr val="accent1"/>
+          </a:fillRef>
+          <a:effectRef idx="2">
+            <a:schemeClr val="accent1"/>
+          </a:effectRef>
+          <a:fontRef idx="minor">
+            <a:schemeClr val="lt1"/>
+          </a:fontRef>
+        </p:style>
+        <p:txBody>
+          <a:bodyPr rtlCol="0" anchor="ctr"/>
+          <a:lstStyle/>
+          <a:p>
+            <a:pPr algn="ctr"/>
+            <a:endParaRPr lang="en-US"/>
+          </a:p>
+        </p:txBody>
+      </p:sp>
+      <p:cxnSp>
+        <p:nvCxnSpPr>
+          <p:cNvPr id="62" name="Straight Connector 61"/>
+          <p:cNvCxnSpPr>
+            <a:endCxn id="63" idx="2"/>
+          </p:cNvCxnSpPr>
+          <p:nvPr/>
+        </p:nvCxnSpPr>
+        <p:spPr>
+          <a:xfrm>
+            <a:off x="1485978" y="2056392"/>
+            <a:ext cx="202862" cy="0"/>
+          </a:xfrm>
+          <a:prstGeom prst="line">
+            <a:avLst/>
+          </a:prstGeom>
+          <a:ln>
+            <a:solidFill>
+              <a:schemeClr val="tx1"/>
+            </a:solidFill>
+          </a:ln>
+        </p:spPr>
+        <p:style>
+          <a:lnRef idx="2">
+            <a:schemeClr val="accent1"/>
+          </a:lnRef>
+          <a:fillRef idx="0">
+            <a:schemeClr val="accent1"/>
+          </a:fillRef>
+          <a:effectRef idx="1">
+            <a:schemeClr val="accent1"/>
+          </a:effectRef>
+          <a:fontRef idx="minor">
+            <a:schemeClr val="tx1"/>
+          </a:fontRef>
+        </p:style>
+      </p:cxnSp>
+      <p:sp>
+        <p:nvSpPr>
+          <p:cNvPr id="63" name="Oval 62"/>
+          <p:cNvSpPr/>
+          <p:nvPr/>
+        </p:nvSpPr>
+        <p:spPr>
+          <a:xfrm>
+            <a:off x="1688840" y="1997693"/>
+            <a:ext cx="117397" cy="117397"/>
+          </a:xfrm>
+          <a:prstGeom prst="ellipse">
+            <a:avLst/>
+          </a:prstGeom>
+          <a:solidFill>
+            <a:schemeClr val="tx1"/>
+          </a:solidFill>
+        </p:spPr>
+        <p:style>
+          <a:lnRef idx="1">
+            <a:schemeClr val="accent1"/>
+          </a:lnRef>
+          <a:fillRef idx="3">
+            <a:schemeClr val="accent1"/>
+          </a:fillRef>
+          <a:effectRef idx="2">
+            <a:schemeClr val="accent1"/>
+          </a:effectRef>
+          <a:fontRef idx="minor">
+            <a:schemeClr val="lt1"/>
+          </a:fontRef>
+        </p:style>
+        <p:txBody>
+          <a:bodyPr rtlCol="0" anchor="ctr"/>
+          <a:lstStyle/>
+          <a:p>
+            <a:pPr algn="ctr"/>
+            <a:endParaRPr lang="en-US"/>
+          </a:p>
+        </p:txBody>
+      </p:sp>
+      <p:sp>
+        <p:nvSpPr>
+          <p:cNvPr id="64" name="TextBox 63"/>
           <p:cNvSpPr txBox="1"/>
           <p:nvPr/>
         </p:nvSpPr>
         <p:spPr>
           <a:xfrm>
-            <a:off x="4632441" y="940704"/>
-            <a:ext cx="1338823" cy="707886"/>
+            <a:off x="1001763" y="2148164"/>
+            <a:ext cx="843320" cy="461665"/>
           </a:xfrm>
           <a:prstGeom prst="rect">
             <a:avLst/>
@@ -4957,16 +4704,395 @@
           <a:lstStyle/>
           <a:p>
             <a:r>
-              <a:rPr lang="en-US" sz="2000" dirty="0" smtClean="0"/>
-              <a:t>Negative</a:t>
-            </a:r>
-          </a:p>
-          <a:p>
-            <a:r>
-              <a:rPr lang="en-US" sz="2000" dirty="0" smtClean="0"/>
-              <a:t>Output</a:t>
-            </a:r>
-            <a:endParaRPr lang="en-US" sz="2000" dirty="0"/>
+              <a:rPr lang="en-US" sz="2400" dirty="0" smtClean="0"/>
+              <a:t>10</a:t>
+            </a:r>
+            <a:r>
+              <a:rPr lang="en-US" sz="2400" dirty="0" smtClean="0"/>
+              <a:t>0k</a:t>
+            </a:r>
+            <a:endParaRPr lang="en-US" sz="2400" dirty="0"/>
+          </a:p>
+        </p:txBody>
+      </p:sp>
+      <p:sp>
+        <p:nvSpPr>
+          <p:cNvPr id="68" name="TextBox 67"/>
+          <p:cNvSpPr txBox="1"/>
+          <p:nvPr/>
+        </p:nvSpPr>
+        <p:spPr>
+          <a:xfrm>
+            <a:off x="1932464" y="494641"/>
+            <a:ext cx="934790" cy="461665"/>
+          </a:xfrm>
+          <a:prstGeom prst="rect">
+            <a:avLst/>
+          </a:prstGeom>
+          <a:noFill/>
+        </p:spPr>
+        <p:txBody>
+          <a:bodyPr wrap="square" rtlCol="0">
+            <a:spAutoFit/>
+          </a:bodyPr>
+          <a:lstStyle/>
+          <a:p>
+            <a:r>
+              <a:rPr lang="en-US" sz="2400" dirty="0" smtClean="0"/>
+              <a:t>200M</a:t>
+            </a:r>
+            <a:endParaRPr lang="en-US" sz="2400" dirty="0"/>
+          </a:p>
+        </p:txBody>
+      </p:sp>
+      <p:cxnSp>
+        <p:nvCxnSpPr>
+          <p:cNvPr id="70" name="Straight Connector 69"/>
+          <p:cNvCxnSpPr/>
+          <p:nvPr/>
+        </p:nvCxnSpPr>
+        <p:spPr>
+          <a:xfrm>
+            <a:off x="3767241" y="958888"/>
+            <a:ext cx="159539" cy="120189"/>
+          </a:xfrm>
+          <a:prstGeom prst="line">
+            <a:avLst/>
+          </a:prstGeom>
+          <a:ln>
+            <a:solidFill>
+              <a:schemeClr val="tx1"/>
+            </a:solidFill>
+          </a:ln>
+        </p:spPr>
+        <p:style>
+          <a:lnRef idx="2">
+            <a:schemeClr val="accent1"/>
+          </a:lnRef>
+          <a:fillRef idx="0">
+            <a:schemeClr val="accent1"/>
+          </a:fillRef>
+          <a:effectRef idx="1">
+            <a:schemeClr val="accent1"/>
+          </a:effectRef>
+          <a:fontRef idx="minor">
+            <a:schemeClr val="tx1"/>
+          </a:fontRef>
+        </p:style>
+      </p:cxnSp>
+      <p:cxnSp>
+        <p:nvCxnSpPr>
+          <p:cNvPr id="71" name="Straight Connector 70"/>
+          <p:cNvCxnSpPr/>
+          <p:nvPr/>
+        </p:nvCxnSpPr>
+        <p:spPr>
+          <a:xfrm flipV="1">
+            <a:off x="3767241" y="1082515"/>
+            <a:ext cx="159539" cy="103476"/>
+          </a:xfrm>
+          <a:prstGeom prst="line">
+            <a:avLst/>
+          </a:prstGeom>
+          <a:ln>
+            <a:solidFill>
+              <a:schemeClr val="tx1"/>
+            </a:solidFill>
+          </a:ln>
+        </p:spPr>
+        <p:style>
+          <a:lnRef idx="2">
+            <a:schemeClr val="accent1"/>
+          </a:lnRef>
+          <a:fillRef idx="0">
+            <a:schemeClr val="accent1"/>
+          </a:fillRef>
+          <a:effectRef idx="1">
+            <a:schemeClr val="accent1"/>
+          </a:effectRef>
+          <a:fontRef idx="minor">
+            <a:schemeClr val="tx1"/>
+          </a:fontRef>
+        </p:style>
+      </p:cxnSp>
+      <p:cxnSp>
+        <p:nvCxnSpPr>
+          <p:cNvPr id="79" name="Straight Connector 78"/>
+          <p:cNvCxnSpPr/>
+          <p:nvPr/>
+        </p:nvCxnSpPr>
+        <p:spPr>
+          <a:xfrm flipV="1">
+            <a:off x="3772983" y="963716"/>
+            <a:ext cx="0" cy="222275"/>
+          </a:xfrm>
+          <a:prstGeom prst="line">
+            <a:avLst/>
+          </a:prstGeom>
+          <a:ln>
+            <a:solidFill>
+              <a:schemeClr val="tx1"/>
+            </a:solidFill>
+          </a:ln>
+        </p:spPr>
+        <p:style>
+          <a:lnRef idx="2">
+            <a:schemeClr val="accent1"/>
+          </a:lnRef>
+          <a:fillRef idx="0">
+            <a:schemeClr val="accent1"/>
+          </a:fillRef>
+          <a:effectRef idx="1">
+            <a:schemeClr val="accent1"/>
+          </a:effectRef>
+          <a:fontRef idx="minor">
+            <a:schemeClr val="tx1"/>
+          </a:fontRef>
+        </p:style>
+      </p:cxnSp>
+      <p:cxnSp>
+        <p:nvCxnSpPr>
+          <p:cNvPr id="86" name="Straight Connector 85"/>
+          <p:cNvCxnSpPr/>
+          <p:nvPr/>
+        </p:nvCxnSpPr>
+        <p:spPr>
+          <a:xfrm>
+            <a:off x="4378357" y="2025189"/>
+            <a:ext cx="0" cy="185835"/>
+          </a:xfrm>
+          <a:prstGeom prst="line">
+            <a:avLst/>
+          </a:prstGeom>
+          <a:ln>
+            <a:solidFill>
+              <a:schemeClr val="tx1"/>
+            </a:solidFill>
+          </a:ln>
+        </p:spPr>
+        <p:style>
+          <a:lnRef idx="2">
+            <a:schemeClr val="accent1"/>
+          </a:lnRef>
+          <a:fillRef idx="0">
+            <a:schemeClr val="accent1"/>
+          </a:fillRef>
+          <a:effectRef idx="1">
+            <a:schemeClr val="accent1"/>
+          </a:effectRef>
+          <a:fontRef idx="minor">
+            <a:schemeClr val="tx1"/>
+          </a:fontRef>
+        </p:style>
+      </p:cxnSp>
+      <p:cxnSp>
+        <p:nvCxnSpPr>
+          <p:cNvPr id="88" name="Straight Connector 87"/>
+          <p:cNvCxnSpPr/>
+          <p:nvPr/>
+        </p:nvCxnSpPr>
+        <p:spPr>
+          <a:xfrm flipH="1">
+            <a:off x="4213843" y="2211024"/>
+            <a:ext cx="331451" cy="0"/>
+          </a:xfrm>
+          <a:prstGeom prst="line">
+            <a:avLst/>
+          </a:prstGeom>
+          <a:ln>
+            <a:solidFill>
+              <a:schemeClr val="tx1"/>
+            </a:solidFill>
+          </a:ln>
+        </p:spPr>
+        <p:style>
+          <a:lnRef idx="2">
+            <a:schemeClr val="accent1"/>
+          </a:lnRef>
+          <a:fillRef idx="0">
+            <a:schemeClr val="accent1"/>
+          </a:fillRef>
+          <a:effectRef idx="1">
+            <a:schemeClr val="accent1"/>
+          </a:effectRef>
+          <a:fontRef idx="minor">
+            <a:schemeClr val="tx1"/>
+          </a:fontRef>
+        </p:style>
+      </p:cxnSp>
+      <p:cxnSp>
+        <p:nvCxnSpPr>
+          <p:cNvPr id="89" name="Straight Connector 88"/>
+          <p:cNvCxnSpPr/>
+          <p:nvPr/>
+        </p:nvCxnSpPr>
+        <p:spPr>
+          <a:xfrm flipH="1">
+            <a:off x="4261985" y="2256562"/>
+            <a:ext cx="240813" cy="0"/>
+          </a:xfrm>
+          <a:prstGeom prst="line">
+            <a:avLst/>
+          </a:prstGeom>
+          <a:ln>
+            <a:solidFill>
+              <a:schemeClr val="tx1"/>
+            </a:solidFill>
+          </a:ln>
+        </p:spPr>
+        <p:style>
+          <a:lnRef idx="2">
+            <a:schemeClr val="accent1"/>
+          </a:lnRef>
+          <a:fillRef idx="0">
+            <a:schemeClr val="accent1"/>
+          </a:fillRef>
+          <a:effectRef idx="1">
+            <a:schemeClr val="accent1"/>
+          </a:effectRef>
+          <a:fontRef idx="minor">
+            <a:schemeClr val="tx1"/>
+          </a:fontRef>
+        </p:style>
+      </p:cxnSp>
+      <p:sp>
+        <p:nvSpPr>
+          <p:cNvPr id="91" name="Oval 90"/>
+          <p:cNvSpPr/>
+          <p:nvPr/>
+        </p:nvSpPr>
+        <p:spPr>
+          <a:xfrm>
+            <a:off x="764792" y="2000045"/>
+            <a:ext cx="117397" cy="117397"/>
+          </a:xfrm>
+          <a:prstGeom prst="ellipse">
+            <a:avLst/>
+          </a:prstGeom>
+          <a:solidFill>
+            <a:schemeClr val="tx1"/>
+          </a:solidFill>
+        </p:spPr>
+        <p:style>
+          <a:lnRef idx="1">
+            <a:schemeClr val="accent1"/>
+          </a:lnRef>
+          <a:fillRef idx="3">
+            <a:schemeClr val="accent1"/>
+          </a:fillRef>
+          <a:effectRef idx="2">
+            <a:schemeClr val="accent1"/>
+          </a:effectRef>
+          <a:fontRef idx="minor">
+            <a:schemeClr val="lt1"/>
+          </a:fontRef>
+        </p:style>
+        <p:txBody>
+          <a:bodyPr rtlCol="0" anchor="ctr"/>
+          <a:lstStyle/>
+          <a:p>
+            <a:pPr algn="ctr"/>
+            <a:endParaRPr lang="en-US"/>
+          </a:p>
+        </p:txBody>
+      </p:sp>
+      <p:cxnSp>
+        <p:nvCxnSpPr>
+          <p:cNvPr id="92" name="Straight Connector 91"/>
+          <p:cNvCxnSpPr/>
+          <p:nvPr/>
+        </p:nvCxnSpPr>
+        <p:spPr>
+          <a:xfrm>
+            <a:off x="871517" y="2053410"/>
+            <a:ext cx="202776" cy="0"/>
+          </a:xfrm>
+          <a:prstGeom prst="line">
+            <a:avLst/>
+          </a:prstGeom>
+          <a:ln>
+            <a:solidFill>
+              <a:schemeClr val="tx1"/>
+            </a:solidFill>
+          </a:ln>
+        </p:spPr>
+        <p:style>
+          <a:lnRef idx="2">
+            <a:schemeClr val="accent1"/>
+          </a:lnRef>
+          <a:fillRef idx="0">
+            <a:schemeClr val="accent1"/>
+          </a:fillRef>
+          <a:effectRef idx="1">
+            <a:schemeClr val="accent1"/>
+          </a:effectRef>
+          <a:fontRef idx="minor">
+            <a:schemeClr val="tx1"/>
+          </a:fontRef>
+        </p:style>
+      </p:cxnSp>
+      <p:cxnSp>
+        <p:nvCxnSpPr>
+          <p:cNvPr id="93" name="Straight Connector 92"/>
+          <p:cNvCxnSpPr/>
+          <p:nvPr/>
+        </p:nvCxnSpPr>
+        <p:spPr>
+          <a:xfrm flipH="1">
+            <a:off x="4309322" y="2305782"/>
+            <a:ext cx="142314" cy="0"/>
+          </a:xfrm>
+          <a:prstGeom prst="line">
+            <a:avLst/>
+          </a:prstGeom>
+          <a:ln>
+            <a:solidFill>
+              <a:schemeClr val="tx1"/>
+            </a:solidFill>
+          </a:ln>
+        </p:spPr>
+        <p:style>
+          <a:lnRef idx="2">
+            <a:schemeClr val="accent1"/>
+          </a:lnRef>
+          <a:fillRef idx="0">
+            <a:schemeClr val="accent1"/>
+          </a:fillRef>
+          <a:effectRef idx="1">
+            <a:schemeClr val="accent1"/>
+          </a:effectRef>
+          <a:fontRef idx="minor">
+            <a:schemeClr val="tx1"/>
+          </a:fontRef>
+        </p:style>
+      </p:cxnSp>
+      <p:sp>
+        <p:nvSpPr>
+          <p:cNvPr id="96" name="TextBox 95"/>
+          <p:cNvSpPr txBox="1"/>
+          <p:nvPr/>
+        </p:nvSpPr>
+        <p:spPr>
+          <a:xfrm>
+            <a:off x="229107" y="1785326"/>
+            <a:ext cx="537894" cy="461665"/>
+          </a:xfrm>
+          <a:prstGeom prst="rect">
+            <a:avLst/>
+          </a:prstGeom>
+          <a:noFill/>
+        </p:spPr>
+        <p:txBody>
+          <a:bodyPr wrap="square" rtlCol="0">
+            <a:spAutoFit/>
+          </a:bodyPr>
+          <a:lstStyle/>
+          <a:p>
+            <a:r>
+              <a:rPr lang="en-US" sz="2400" dirty="0" smtClean="0"/>
+              <a:t>0V</a:t>
+            </a:r>
+            <a:endParaRPr lang="en-US" sz="2400" dirty="0"/>
           </a:p>
         </p:txBody>
       </p:sp>
